--- a/bancodedados2.pptx
+++ b/bancodedados2.pptx
@@ -18,6 +18,8 @@
     <p:sldId id="266" r:id="rId12"/>
     <p:sldId id="267" r:id="rId13"/>
     <p:sldId id="268" r:id="rId14"/>
+    <p:sldId id="270" r:id="rId15"/>
+    <p:sldId id="269" r:id="rId16"/>
   </p:sldIdLst>
   <p:sldSz cx="12192000" cy="6858000"/>
   <p:notesSz cx="6858000" cy="9144000"/>
@@ -5512,7 +5514,24 @@
                 </a:effectLst>
                 <a:latin typeface="Algerian" panose="04020705040A02060702" pitchFamily="82" charset="0"/>
               </a:rPr>
-              <a:t>JOVENSJAVEIROS = ();</a:t>
+              <a:t>JOVENSJAVEIROS </a:t>
+            </a:r>
+            <a:r>
+              <a:rPr lang="pt-BR" sz="4000" b="1" dirty="0" smtClean="0">
+                <a:ln w="0"/>
+                <a:solidFill>
+                  <a:schemeClr val="accent1"/>
+                </a:solidFill>
+                <a:effectLst>
+                  <a:outerShdw blurRad="38100" dist="25400" dir="5400000" algn="ctr" rotWithShape="0">
+                    <a:srgbClr val="6E747A">
+                      <a:alpha val="43000"/>
+                    </a:srgbClr>
+                  </a:outerShdw>
+                </a:effectLst>
+                <a:latin typeface="Algerian" panose="04020705040A02060702" pitchFamily="82" charset="0"/>
+              </a:rPr>
+              <a:t>= ();</a:t>
             </a:r>
           </a:p>
         </p:txBody>
@@ -6120,15 +6139,15 @@
             </a:pPr>
             <a:r>
               <a:rPr lang="pt-BR" sz="2400" b="1" dirty="0"/>
-              <a:t>A cláusula LEFT JOIN ou LEFT OUTER JOIN permite obter não apenas os dados relacionados de duas tabelas, mas também os dados não relacionados encontrados na tabela à esquerda da cláusula </a:t>
-            </a:r>
-            <a:r>
-              <a:rPr lang="pt-BR" sz="2400" b="1" dirty="0" err="1"/>
-              <a:t>JOIN.Caso</a:t>
+              <a:t>A cláusula LEFT JOIN ou LEFT OUTER JOIN permite obter não apenas os dados relacionados de duas tabelas, mas também os dados não relacionados encontrados na tabela à esquerda da cláusula JOIN</a:t>
+            </a:r>
+            <a:r>
+              <a:rPr lang="pt-BR" sz="2400" b="1" dirty="0" smtClean="0"/>
+              <a:t>. Caso </a:t>
             </a:r>
             <a:r>
               <a:rPr lang="pt-BR" sz="2400" b="1" dirty="0"/>
-              <a:t> não existam dados relacionados entre as tabelas à esquerda e a direita do JOIN, os valores resultantes de todas as colunas da lista de seleção da tabela à direita serão nulos</a:t>
+              <a:t>não existam dados relacionados entre as tabelas à esquerda e a direita do JOIN, os valores resultantes de todas as colunas da lista de seleção da tabela à direita serão nulos</a:t>
             </a:r>
           </a:p>
         </p:txBody>
@@ -6515,6 +6534,664 @@
     <p:extLst>
       <p:ext uri="{BB962C8B-B14F-4D97-AF65-F5344CB8AC3E}">
         <p14:creationId xmlns:p14="http://schemas.microsoft.com/office/powerpoint/2010/main" val="4218902573"/>
+      </p:ext>
+    </p:extLst>
+  </p:cSld>
+  <p:clrMapOvr>
+    <a:masterClrMapping/>
+  </p:clrMapOvr>
+  <p:timing>
+    <p:tnLst>
+      <p:par>
+        <p:cTn id="1" dur="indefinite" restart="never" nodeType="tmRoot"/>
+      </p:par>
+    </p:tnLst>
+  </p:timing>
+</p:sld>
+</file>
+
+<file path=ppt/slides/slide14.xml><?xml version="1.0" encoding="utf-8"?>
+<p:sld xmlns:a="http://schemas.openxmlformats.org/drawingml/2006/main" xmlns:r="http://schemas.openxmlformats.org/officeDocument/2006/relationships" xmlns:p="http://schemas.openxmlformats.org/presentationml/2006/main">
+  <p:cSld>
+    <p:spTree>
+      <p:nvGrpSpPr>
+        <p:cNvPr id="1" name=""/>
+        <p:cNvGrpSpPr/>
+        <p:nvPr/>
+      </p:nvGrpSpPr>
+      <p:grpSpPr>
+        <a:xfrm>
+          <a:off x="0" y="0"/>
+          <a:ext cx="0" cy="0"/>
+          <a:chOff x="0" y="0"/>
+          <a:chExt cx="0" cy="0"/>
+        </a:xfrm>
+      </p:grpSpPr>
+      <p:sp>
+        <p:nvSpPr>
+          <p:cNvPr id="2" name="Título 1"/>
+          <p:cNvSpPr>
+            <a:spLocks noGrp="1"/>
+          </p:cNvSpPr>
+          <p:nvPr>
+            <p:ph type="title"/>
+          </p:nvPr>
+        </p:nvSpPr>
+        <p:spPr>
+          <a:xfrm>
+            <a:off x="1815921" y="693382"/>
+            <a:ext cx="7493873" cy="880932"/>
+          </a:xfrm>
+        </p:spPr>
+        <p:txBody>
+          <a:bodyPr>
+            <a:normAutofit/>
+          </a:bodyPr>
+          <a:lstStyle/>
+          <a:p>
+            <a:pPr algn="ctr"/>
+            <a:r>
+              <a:rPr lang="pt-BR" sz="4800" b="1" dirty="0" err="1" smtClean="0">
+                <a:latin typeface="Algerian" panose="04020705040A02060702" pitchFamily="82" charset="0"/>
+              </a:rPr>
+              <a:t>view</a:t>
+            </a:r>
+            <a:endParaRPr lang="pt-BR" sz="4800" b="1" dirty="0">
+              <a:latin typeface="Algerian" panose="04020705040A02060702" pitchFamily="82" charset="0"/>
+            </a:endParaRPr>
+          </a:p>
+        </p:txBody>
+      </p:sp>
+      <p:sp>
+        <p:nvSpPr>
+          <p:cNvPr id="3" name="Espaço Reservado para Conteúdo 2"/>
+          <p:cNvSpPr>
+            <a:spLocks noGrp="1"/>
+          </p:cNvSpPr>
+          <p:nvPr>
+            <p:ph idx="1"/>
+          </p:nvPr>
+        </p:nvSpPr>
+        <p:spPr>
+          <a:xfrm>
+            <a:off x="532510" y="1688893"/>
+            <a:ext cx="10427223" cy="3615788"/>
+          </a:xfrm>
+        </p:spPr>
+        <p:txBody>
+          <a:bodyPr>
+            <a:noAutofit/>
+          </a:bodyPr>
+          <a:lstStyle/>
+          <a:p>
+            <a:pPr marL="0" indent="0" algn="ctr">
+              <a:buNone/>
+            </a:pPr>
+            <a:r>
+              <a:rPr lang="pt-BR" sz="2400" b="1" dirty="0" smtClean="0"/>
+              <a:t>Pode </a:t>
+            </a:r>
+            <a:r>
+              <a:rPr lang="pt-BR" sz="2400" b="1" dirty="0"/>
+              <a:t>ser definida como uma tabela virtual composta por linhas e colunas de dados vindos de tabelas relacionadas em uma query (um agrupamento de </a:t>
+            </a:r>
+            <a:r>
+              <a:rPr lang="pt-BR" sz="2400" b="1" dirty="0" err="1"/>
+              <a:t>SELECT’s</a:t>
+            </a:r>
+            <a:r>
+              <a:rPr lang="pt-BR" sz="2400" b="1" dirty="0"/>
+              <a:t>, por exemplo). As linhas e colunas da </a:t>
+            </a:r>
+            <a:r>
+              <a:rPr lang="pt-BR" sz="2400" b="1" dirty="0" smtClean="0"/>
+              <a:t>VIEW </a:t>
+            </a:r>
+            <a:r>
+              <a:rPr lang="pt-BR" sz="2400" b="1" dirty="0"/>
+              <a:t>são geradas dinamicamente no momento em que é feita uma referência a </a:t>
+            </a:r>
+            <a:r>
+              <a:rPr lang="pt-BR" sz="2400" b="1" dirty="0" smtClean="0"/>
+              <a:t>ela</a:t>
+            </a:r>
+          </a:p>
+          <a:p>
+            <a:pPr marL="0" indent="0" algn="ctr">
+              <a:buNone/>
+            </a:pPr>
+            <a:r>
+              <a:rPr lang="pt-BR" sz="2400" b="1" dirty="0"/>
+              <a:t>Ao criarmos uma </a:t>
+            </a:r>
+            <a:r>
+              <a:rPr lang="pt-BR" sz="2400" b="1" dirty="0" smtClean="0"/>
+              <a:t>VIEW, </a:t>
+            </a:r>
+            <a:r>
+              <a:rPr lang="pt-BR" sz="2400" b="1" dirty="0"/>
+              <a:t>podemos filtrar o conteúdo de uma tabela a ser exibida, já que a função da </a:t>
+            </a:r>
+            <a:r>
+              <a:rPr lang="pt-BR" sz="2400" b="1" dirty="0" smtClean="0"/>
+              <a:t>VIEW</a:t>
+            </a:r>
+            <a:r>
+              <a:rPr lang="pt-BR" sz="2400" b="1" dirty="0"/>
+              <a:t> é exatamente essa: filtrar tabelas, servindo para agrupá-las, protegendo certas colunas e simplificando o código de programação.</a:t>
+            </a:r>
+            <a:endParaRPr lang="pt-BR" sz="2400" b="1" dirty="0"/>
+          </a:p>
+        </p:txBody>
+      </p:sp>
+      <p:sp>
+        <p:nvSpPr>
+          <p:cNvPr id="5" name="Retângulo 4"/>
+          <p:cNvSpPr/>
+          <p:nvPr/>
+        </p:nvSpPr>
+        <p:spPr>
+          <a:xfrm>
+            <a:off x="9832806" y="230678"/>
+            <a:ext cx="2108269" cy="369332"/>
+          </a:xfrm>
+          <a:prstGeom prst="rect">
+            <a:avLst/>
+          </a:prstGeom>
+        </p:spPr>
+        <p:txBody>
+          <a:bodyPr wrap="none">
+            <a:spAutoFit/>
+          </a:bodyPr>
+          <a:lstStyle/>
+          <a:p>
+            <a:r>
+              <a:rPr lang="pt-BR" dirty="0">
+                <a:latin typeface="Algerian" panose="04020705040A02060702" pitchFamily="82" charset="0"/>
+              </a:rPr>
+              <a:t>banco de dados </a:t>
+            </a:r>
+            <a:endParaRPr lang="pt-BR" dirty="0"/>
+          </a:p>
+        </p:txBody>
+      </p:sp>
+      <p:sp>
+        <p:nvSpPr>
+          <p:cNvPr id="7" name="Título 1"/>
+          <p:cNvSpPr txBox="1">
+            <a:spLocks/>
+          </p:cNvSpPr>
+          <p:nvPr/>
+        </p:nvSpPr>
+        <p:spPr>
+          <a:xfrm>
+            <a:off x="532510" y="3496787"/>
+            <a:ext cx="7456868" cy="880932"/>
+          </a:xfrm>
+          <a:prstGeom prst="rect">
+            <a:avLst/>
+          </a:prstGeom>
+          <a:effectLst/>
+        </p:spPr>
+        <p:txBody>
+          <a:bodyPr vert="horz" lIns="91440" tIns="45720" rIns="91440" bIns="45720" rtlCol="0" anchor="ctr">
+            <a:normAutofit/>
+          </a:bodyPr>
+          <a:lstStyle>
+            <a:lvl1pPr algn="l" defTabSz="457200" rtl="0" eaLnBrk="1" latinLnBrk="0" hangingPunct="1">
+              <a:spcBef>
+                <a:spcPct val="0"/>
+              </a:spcBef>
+              <a:buNone/>
+              <a:defRPr sz="3600" kern="1200" cap="all">
+                <a:ln w="3175" cmpd="sng">
+                  <a:noFill/>
+                </a:ln>
+                <a:solidFill>
+                  <a:schemeClr val="tx1"/>
+                </a:solidFill>
+                <a:effectLst/>
+                <a:latin typeface="+mj-lt"/>
+                <a:ea typeface="+mj-ea"/>
+                <a:cs typeface="+mj-cs"/>
+              </a:defRPr>
+            </a:lvl1pPr>
+            <a:lvl2pPr eaLnBrk="1" hangingPunct="1">
+              <a:defRPr>
+                <a:solidFill>
+                  <a:schemeClr val="tx2"/>
+                </a:solidFill>
+              </a:defRPr>
+            </a:lvl2pPr>
+            <a:lvl3pPr eaLnBrk="1" hangingPunct="1">
+              <a:defRPr>
+                <a:solidFill>
+                  <a:schemeClr val="tx2"/>
+                </a:solidFill>
+              </a:defRPr>
+            </a:lvl3pPr>
+            <a:lvl4pPr eaLnBrk="1" hangingPunct="1">
+              <a:defRPr>
+                <a:solidFill>
+                  <a:schemeClr val="tx2"/>
+                </a:solidFill>
+              </a:defRPr>
+            </a:lvl4pPr>
+            <a:lvl5pPr eaLnBrk="1" hangingPunct="1">
+              <a:defRPr>
+                <a:solidFill>
+                  <a:schemeClr val="tx2"/>
+                </a:solidFill>
+              </a:defRPr>
+            </a:lvl5pPr>
+            <a:lvl6pPr eaLnBrk="1" hangingPunct="1">
+              <a:defRPr>
+                <a:solidFill>
+                  <a:schemeClr val="tx2"/>
+                </a:solidFill>
+              </a:defRPr>
+            </a:lvl6pPr>
+            <a:lvl7pPr eaLnBrk="1" hangingPunct="1">
+              <a:defRPr>
+                <a:solidFill>
+                  <a:schemeClr val="tx2"/>
+                </a:solidFill>
+              </a:defRPr>
+            </a:lvl7pPr>
+            <a:lvl8pPr eaLnBrk="1" hangingPunct="1">
+              <a:defRPr>
+                <a:solidFill>
+                  <a:schemeClr val="tx2"/>
+                </a:solidFill>
+              </a:defRPr>
+            </a:lvl8pPr>
+            <a:lvl9pPr eaLnBrk="1" hangingPunct="1">
+              <a:defRPr>
+                <a:solidFill>
+                  <a:schemeClr val="tx2"/>
+                </a:solidFill>
+              </a:defRPr>
+            </a:lvl9pPr>
+          </a:lstStyle>
+          <a:p>
+            <a:pPr algn="ctr"/>
+            <a:endParaRPr lang="pt-BR" sz="3200" b="1" dirty="0">
+              <a:latin typeface="Algerian" panose="04020705040A02060702" pitchFamily="82" charset="0"/>
+            </a:endParaRPr>
+          </a:p>
+        </p:txBody>
+      </p:sp>
+    </p:spTree>
+    <p:extLst>
+      <p:ext uri="{BB962C8B-B14F-4D97-AF65-F5344CB8AC3E}">
+        <p14:creationId xmlns:p14="http://schemas.microsoft.com/office/powerpoint/2010/main" val="691784181"/>
+      </p:ext>
+    </p:extLst>
+  </p:cSld>
+  <p:clrMapOvr>
+    <a:masterClrMapping/>
+  </p:clrMapOvr>
+  <p:timing>
+    <p:tnLst>
+      <p:par>
+        <p:cTn id="1" dur="indefinite" restart="never" nodeType="tmRoot"/>
+      </p:par>
+    </p:tnLst>
+  </p:timing>
+</p:sld>
+</file>
+
+<file path=ppt/slides/slide15.xml><?xml version="1.0" encoding="utf-8"?>
+<p:sld xmlns:a="http://schemas.openxmlformats.org/drawingml/2006/main" xmlns:r="http://schemas.openxmlformats.org/officeDocument/2006/relationships" xmlns:p="http://schemas.openxmlformats.org/presentationml/2006/main">
+  <p:cSld>
+    <p:spTree>
+      <p:nvGrpSpPr>
+        <p:cNvPr id="1" name=""/>
+        <p:cNvGrpSpPr/>
+        <p:nvPr/>
+      </p:nvGrpSpPr>
+      <p:grpSpPr>
+        <a:xfrm>
+          <a:off x="0" y="0"/>
+          <a:ext cx="0" cy="0"/>
+          <a:chOff x="0" y="0"/>
+          <a:chExt cx="0" cy="0"/>
+        </a:xfrm>
+      </p:grpSpPr>
+      <p:sp>
+        <p:nvSpPr>
+          <p:cNvPr id="2" name="Título 1"/>
+          <p:cNvSpPr>
+            <a:spLocks noGrp="1"/>
+          </p:cNvSpPr>
+          <p:nvPr>
+            <p:ph type="title"/>
+          </p:nvPr>
+        </p:nvSpPr>
+        <p:spPr>
+          <a:xfrm>
+            <a:off x="1830436" y="415344"/>
+            <a:ext cx="7493873" cy="880932"/>
+          </a:xfrm>
+        </p:spPr>
+        <p:txBody>
+          <a:bodyPr>
+            <a:normAutofit/>
+          </a:bodyPr>
+          <a:lstStyle/>
+          <a:p>
+            <a:pPr algn="ctr"/>
+            <a:r>
+              <a:rPr lang="pt-BR" sz="4800" b="1" dirty="0" smtClean="0">
+                <a:latin typeface="Algerian" panose="04020705040A02060702" pitchFamily="82" charset="0"/>
+              </a:rPr>
+              <a:t>PROCEDURE</a:t>
+            </a:r>
+            <a:endParaRPr lang="pt-BR" sz="4800" b="1" dirty="0">
+              <a:latin typeface="Algerian" panose="04020705040A02060702" pitchFamily="82" charset="0"/>
+            </a:endParaRPr>
+          </a:p>
+        </p:txBody>
+      </p:sp>
+      <p:sp>
+        <p:nvSpPr>
+          <p:cNvPr id="3" name="Espaço Reservado para Conteúdo 2"/>
+          <p:cNvSpPr>
+            <a:spLocks noGrp="1"/>
+          </p:cNvSpPr>
+          <p:nvPr>
+            <p:ph idx="1"/>
+          </p:nvPr>
+        </p:nvSpPr>
+        <p:spPr>
+          <a:xfrm>
+            <a:off x="532510" y="921171"/>
+            <a:ext cx="10427223" cy="3615788"/>
+          </a:xfrm>
+        </p:spPr>
+        <p:txBody>
+          <a:bodyPr>
+            <a:noAutofit/>
+          </a:bodyPr>
+          <a:lstStyle/>
+          <a:p>
+            <a:pPr marL="0" indent="0" algn="ctr">
+              <a:buNone/>
+            </a:pPr>
+            <a:r>
+              <a:rPr lang="pt-BR" sz="2400" b="1" dirty="0" smtClean="0"/>
+              <a:t>As PROCEDURES contém </a:t>
+            </a:r>
+            <a:r>
+              <a:rPr lang="pt-BR" sz="2400" b="1" dirty="0"/>
+              <a:t>comandos T-SQL que suportam parâmetros de entrada e saída e que podem ou não retornar resultados.</a:t>
+            </a:r>
+          </a:p>
+          <a:p>
+            <a:pPr marL="0" indent="0" algn="ctr">
+              <a:buNone/>
+            </a:pPr>
+            <a:r>
+              <a:rPr lang="pt-BR" sz="2400" b="1" dirty="0" smtClean="0"/>
+              <a:t>Dentro </a:t>
+            </a:r>
+            <a:r>
+              <a:rPr lang="pt-BR" sz="2400" b="1" dirty="0"/>
+              <a:t>de uma </a:t>
+            </a:r>
+            <a:r>
+              <a:rPr lang="pt-BR" sz="2400" b="1" dirty="0" smtClean="0"/>
+              <a:t>PROCEDURE </a:t>
+            </a:r>
+            <a:r>
+              <a:rPr lang="pt-BR" sz="2400" b="1" dirty="0"/>
+              <a:t>você pode escrever comandos DML (</a:t>
+            </a:r>
+            <a:r>
+              <a:rPr lang="pt-BR" sz="2400" b="1" dirty="0" err="1"/>
+              <a:t>Insert</a:t>
+            </a:r>
+            <a:r>
+              <a:rPr lang="pt-BR" sz="2400" b="1" dirty="0"/>
+              <a:t>, Delete, Update) e DDL (</a:t>
+            </a:r>
+            <a:r>
+              <a:rPr lang="pt-BR" sz="2400" b="1" dirty="0" err="1"/>
+              <a:t>Create</a:t>
+            </a:r>
+            <a:r>
+              <a:rPr lang="pt-BR" sz="2400" b="1" dirty="0"/>
+              <a:t>, </a:t>
+            </a:r>
+            <a:r>
+              <a:rPr lang="pt-BR" sz="2400" b="1" dirty="0" err="1"/>
+              <a:t>Drop</a:t>
+            </a:r>
+            <a:r>
+              <a:rPr lang="pt-BR" sz="2400" b="1" dirty="0"/>
+              <a:t>, </a:t>
+            </a:r>
+            <a:r>
+              <a:rPr lang="pt-BR" sz="2400" b="1" dirty="0" err="1"/>
+              <a:t>Alter</a:t>
+            </a:r>
+            <a:r>
+              <a:rPr lang="pt-BR" sz="2400" b="1" dirty="0"/>
+              <a:t>)… Ou seja, você pode fazer muita coisa</a:t>
+            </a:r>
+            <a:r>
+              <a:rPr lang="pt-BR" sz="2400" b="1" dirty="0" smtClean="0"/>
+              <a:t>!</a:t>
+            </a:r>
+          </a:p>
+          <a:p>
+            <a:pPr marL="0" indent="0" algn="ctr">
+              <a:buNone/>
+            </a:pPr>
+            <a:endParaRPr lang="pt-BR" sz="2400" b="1" dirty="0"/>
+          </a:p>
+        </p:txBody>
+      </p:sp>
+      <p:sp>
+        <p:nvSpPr>
+          <p:cNvPr id="5" name="Retângulo 4"/>
+          <p:cNvSpPr/>
+          <p:nvPr/>
+        </p:nvSpPr>
+        <p:spPr>
+          <a:xfrm>
+            <a:off x="9832806" y="230678"/>
+            <a:ext cx="2108269" cy="369332"/>
+          </a:xfrm>
+          <a:prstGeom prst="rect">
+            <a:avLst/>
+          </a:prstGeom>
+        </p:spPr>
+        <p:txBody>
+          <a:bodyPr wrap="none">
+            <a:spAutoFit/>
+          </a:bodyPr>
+          <a:lstStyle/>
+          <a:p>
+            <a:r>
+              <a:rPr lang="pt-BR" dirty="0">
+                <a:latin typeface="Algerian" panose="04020705040A02060702" pitchFamily="82" charset="0"/>
+              </a:rPr>
+              <a:t>banco de dados </a:t>
+            </a:r>
+            <a:endParaRPr lang="pt-BR" dirty="0"/>
+          </a:p>
+        </p:txBody>
+      </p:sp>
+      <p:sp>
+        <p:nvSpPr>
+          <p:cNvPr id="7" name="Título 1"/>
+          <p:cNvSpPr txBox="1">
+            <a:spLocks/>
+          </p:cNvSpPr>
+          <p:nvPr/>
+        </p:nvSpPr>
+        <p:spPr>
+          <a:xfrm>
+            <a:off x="532510" y="3496787"/>
+            <a:ext cx="7456868" cy="880932"/>
+          </a:xfrm>
+          <a:prstGeom prst="rect">
+            <a:avLst/>
+          </a:prstGeom>
+          <a:effectLst/>
+        </p:spPr>
+        <p:txBody>
+          <a:bodyPr vert="horz" lIns="91440" tIns="45720" rIns="91440" bIns="45720" rtlCol="0" anchor="ctr">
+            <a:normAutofit/>
+          </a:bodyPr>
+          <a:lstStyle>
+            <a:lvl1pPr algn="l" defTabSz="457200" rtl="0" eaLnBrk="1" latinLnBrk="0" hangingPunct="1">
+              <a:spcBef>
+                <a:spcPct val="0"/>
+              </a:spcBef>
+              <a:buNone/>
+              <a:defRPr sz="3600" kern="1200" cap="all">
+                <a:ln w="3175" cmpd="sng">
+                  <a:noFill/>
+                </a:ln>
+                <a:solidFill>
+                  <a:schemeClr val="tx1"/>
+                </a:solidFill>
+                <a:effectLst/>
+                <a:latin typeface="+mj-lt"/>
+                <a:ea typeface="+mj-ea"/>
+                <a:cs typeface="+mj-cs"/>
+              </a:defRPr>
+            </a:lvl1pPr>
+            <a:lvl2pPr eaLnBrk="1" hangingPunct="1">
+              <a:defRPr>
+                <a:solidFill>
+                  <a:schemeClr val="tx2"/>
+                </a:solidFill>
+              </a:defRPr>
+            </a:lvl2pPr>
+            <a:lvl3pPr eaLnBrk="1" hangingPunct="1">
+              <a:defRPr>
+                <a:solidFill>
+                  <a:schemeClr val="tx2"/>
+                </a:solidFill>
+              </a:defRPr>
+            </a:lvl3pPr>
+            <a:lvl4pPr eaLnBrk="1" hangingPunct="1">
+              <a:defRPr>
+                <a:solidFill>
+                  <a:schemeClr val="tx2"/>
+                </a:solidFill>
+              </a:defRPr>
+            </a:lvl4pPr>
+            <a:lvl5pPr eaLnBrk="1" hangingPunct="1">
+              <a:defRPr>
+                <a:solidFill>
+                  <a:schemeClr val="tx2"/>
+                </a:solidFill>
+              </a:defRPr>
+            </a:lvl5pPr>
+            <a:lvl6pPr eaLnBrk="1" hangingPunct="1">
+              <a:defRPr>
+                <a:solidFill>
+                  <a:schemeClr val="tx2"/>
+                </a:solidFill>
+              </a:defRPr>
+            </a:lvl6pPr>
+            <a:lvl7pPr eaLnBrk="1" hangingPunct="1">
+              <a:defRPr>
+                <a:solidFill>
+                  <a:schemeClr val="tx2"/>
+                </a:solidFill>
+              </a:defRPr>
+            </a:lvl7pPr>
+            <a:lvl8pPr eaLnBrk="1" hangingPunct="1">
+              <a:defRPr>
+                <a:solidFill>
+                  <a:schemeClr val="tx2"/>
+                </a:solidFill>
+              </a:defRPr>
+            </a:lvl8pPr>
+            <a:lvl9pPr eaLnBrk="1" hangingPunct="1">
+              <a:defRPr>
+                <a:solidFill>
+                  <a:schemeClr val="tx2"/>
+                </a:solidFill>
+              </a:defRPr>
+            </a:lvl9pPr>
+          </a:lstStyle>
+          <a:p>
+            <a:pPr algn="ctr"/>
+            <a:endParaRPr lang="pt-BR" sz="3200" b="1" dirty="0">
+              <a:latin typeface="Algerian" panose="04020705040A02060702" pitchFamily="82" charset="0"/>
+            </a:endParaRPr>
+          </a:p>
+        </p:txBody>
+      </p:sp>
+      <p:pic>
+        <p:nvPicPr>
+          <p:cNvPr id="4" name="Imagem 3"/>
+          <p:cNvPicPr>
+            <a:picLocks noChangeAspect="1"/>
+          </p:cNvPicPr>
+          <p:nvPr/>
+        </p:nvPicPr>
+        <p:blipFill rotWithShape="1">
+          <a:blip r:embed="rId2">
+            <a:extLst>
+              <a:ext uri="{28A0092B-C50C-407E-A947-70E740481C1C}">
+                <a14:useLocalDpi xmlns:a14="http://schemas.microsoft.com/office/drawing/2010/main" val="0"/>
+              </a:ext>
+            </a:extLst>
+          </a:blip>
+          <a:srcRect l="4104" t="7247" r="14095" b="26868"/>
+          <a:stretch/>
+        </p:blipFill>
+        <p:spPr>
+          <a:xfrm>
+            <a:off x="4948635" y="3548832"/>
+            <a:ext cx="6081485" cy="2971107"/>
+          </a:xfrm>
+          <a:prstGeom prst="rect">
+            <a:avLst/>
+          </a:prstGeom>
+        </p:spPr>
+      </p:pic>
+      <p:sp>
+        <p:nvSpPr>
+          <p:cNvPr id="8" name="CaixaDeTexto 7"/>
+          <p:cNvSpPr txBox="1"/>
+          <p:nvPr/>
+        </p:nvSpPr>
+        <p:spPr>
+          <a:xfrm>
+            <a:off x="1447861" y="6169184"/>
+            <a:ext cx="3475631" cy="369332"/>
+          </a:xfrm>
+          <a:prstGeom prst="rect">
+            <a:avLst/>
+          </a:prstGeom>
+          <a:noFill/>
+        </p:spPr>
+        <p:txBody>
+          <a:bodyPr wrap="none" rtlCol="0">
+            <a:spAutoFit/>
+          </a:bodyPr>
+          <a:lstStyle/>
+          <a:p>
+            <a:r>
+              <a:rPr lang="pt-BR" b="1" dirty="0" smtClean="0"/>
+              <a:t>Exemplo de uma PROCEDURE</a:t>
+            </a:r>
+            <a:endParaRPr lang="pt-BR" dirty="0"/>
+          </a:p>
+        </p:txBody>
+      </p:sp>
+    </p:spTree>
+    <p:extLst>
+      <p:ext uri="{BB962C8B-B14F-4D97-AF65-F5344CB8AC3E}">
+        <p14:creationId xmlns:p14="http://schemas.microsoft.com/office/powerpoint/2010/main" val="1082271175"/>
       </p:ext>
     </p:extLst>
   </p:cSld>
